--- a/Offline/BusinessManagement/MarketingArtworks/pptx/12x18-Sunpack.pptx
+++ b/Offline/BusinessManagement/MarketingArtworks/pptx/12x18-Sunpack.pptx
@@ -104,6 +104,11 @@
       </a:defRPr>
     </a:lvl9pPr>
   </p:defaultTextStyle>
+  <p:extLst>
+    <p:ext uri="{EFAFB233-063F-42B5-8137-9DF3F51BA10A}">
+      <p15:sldGuideLst xmlns:p15="http://schemas.microsoft.com/office/powerpoint/2012/main"/>
+    </p:ext>
+  </p:extLst>
 </p:presentation>
 </file>
 
@@ -238,7 +243,7 @@
           <a:p>
             <a:fld id="{0631C1A9-AEFD-4DDA-9688-65587DDACCDB}" type="datetimeFigureOut">
               <a:rPr lang="en-US" smtClean="0"/>
-              <a:t>7/26/2023</a:t>
+              <a:t>7/28/2023</a:t>
             </a:fld>
             <a:endParaRPr lang="en-US"/>
           </a:p>
@@ -408,7 +413,7 @@
           <a:p>
             <a:fld id="{0631C1A9-AEFD-4DDA-9688-65587DDACCDB}" type="datetimeFigureOut">
               <a:rPr lang="en-US" smtClean="0"/>
-              <a:t>7/26/2023</a:t>
+              <a:t>7/28/2023</a:t>
             </a:fld>
             <a:endParaRPr lang="en-US"/>
           </a:p>
@@ -588,7 +593,7 @@
           <a:p>
             <a:fld id="{0631C1A9-AEFD-4DDA-9688-65587DDACCDB}" type="datetimeFigureOut">
               <a:rPr lang="en-US" smtClean="0"/>
-              <a:t>7/26/2023</a:t>
+              <a:t>7/28/2023</a:t>
             </a:fld>
             <a:endParaRPr lang="en-US"/>
           </a:p>
@@ -758,7 +763,7 @@
           <a:p>
             <a:fld id="{0631C1A9-AEFD-4DDA-9688-65587DDACCDB}" type="datetimeFigureOut">
               <a:rPr lang="en-US" smtClean="0"/>
-              <a:t>7/26/2023</a:t>
+              <a:t>7/28/2023</a:t>
             </a:fld>
             <a:endParaRPr lang="en-US"/>
           </a:p>
@@ -1002,7 +1007,7 @@
           <a:p>
             <a:fld id="{0631C1A9-AEFD-4DDA-9688-65587DDACCDB}" type="datetimeFigureOut">
               <a:rPr lang="en-US" smtClean="0"/>
-              <a:t>7/26/2023</a:t>
+              <a:t>7/28/2023</a:t>
             </a:fld>
             <a:endParaRPr lang="en-US"/>
           </a:p>
@@ -1234,7 +1239,7 @@
           <a:p>
             <a:fld id="{0631C1A9-AEFD-4DDA-9688-65587DDACCDB}" type="datetimeFigureOut">
               <a:rPr lang="en-US" smtClean="0"/>
-              <a:t>7/26/2023</a:t>
+              <a:t>7/28/2023</a:t>
             </a:fld>
             <a:endParaRPr lang="en-US"/>
           </a:p>
@@ -1601,7 +1606,7 @@
           <a:p>
             <a:fld id="{0631C1A9-AEFD-4DDA-9688-65587DDACCDB}" type="datetimeFigureOut">
               <a:rPr lang="en-US" smtClean="0"/>
-              <a:t>7/26/2023</a:t>
+              <a:t>7/28/2023</a:t>
             </a:fld>
             <a:endParaRPr lang="en-US"/>
           </a:p>
@@ -1719,7 +1724,7 @@
           <a:p>
             <a:fld id="{0631C1A9-AEFD-4DDA-9688-65587DDACCDB}" type="datetimeFigureOut">
               <a:rPr lang="en-US" smtClean="0"/>
-              <a:t>7/26/2023</a:t>
+              <a:t>7/28/2023</a:t>
             </a:fld>
             <a:endParaRPr lang="en-US"/>
           </a:p>
@@ -1814,7 +1819,7 @@
           <a:p>
             <a:fld id="{0631C1A9-AEFD-4DDA-9688-65587DDACCDB}" type="datetimeFigureOut">
               <a:rPr lang="en-US" smtClean="0"/>
-              <a:t>7/26/2023</a:t>
+              <a:t>7/28/2023</a:t>
             </a:fld>
             <a:endParaRPr lang="en-US"/>
           </a:p>
@@ -2091,7 +2096,7 @@
           <a:p>
             <a:fld id="{0631C1A9-AEFD-4DDA-9688-65587DDACCDB}" type="datetimeFigureOut">
               <a:rPr lang="en-US" smtClean="0"/>
-              <a:t>7/26/2023</a:t>
+              <a:t>7/28/2023</a:t>
             </a:fld>
             <a:endParaRPr lang="en-US"/>
           </a:p>
@@ -2348,7 +2353,7 @@
           <a:p>
             <a:fld id="{0631C1A9-AEFD-4DDA-9688-65587DDACCDB}" type="datetimeFigureOut">
               <a:rPr lang="en-US" smtClean="0"/>
-              <a:t>7/26/2023</a:t>
+              <a:t>7/28/2023</a:t>
             </a:fld>
             <a:endParaRPr lang="en-US"/>
           </a:p>
@@ -2561,7 +2566,7 @@
           <a:p>
             <a:fld id="{0631C1A9-AEFD-4DDA-9688-65587DDACCDB}" type="datetimeFigureOut">
               <a:rPr lang="en-US" smtClean="0"/>
-              <a:t>7/26/2023</a:t>
+              <a:t>7/28/2023</a:t>
             </a:fld>
             <a:endParaRPr lang="en-US"/>
           </a:p>
@@ -5889,10 +5894,209 @@
       </p:sp>
       <p:sp>
         <p:nvSpPr>
-          <p:cNvPr id="12" name="32-Point Star 20">
+          <p:cNvPr id="13" name="TextBox 12">
             <a:extLst>
               <a:ext uri="{FF2B5EF4-FFF2-40B4-BE49-F238E27FC236}">
-                <a16:creationId xmlns:a16="http://schemas.microsoft.com/office/drawing/2014/main" id="{5CDFC97C-CA0E-C2B7-7B7B-BC9077127782}"/>
+                <a16:creationId xmlns:a16="http://schemas.microsoft.com/office/drawing/2014/main" id="{C76F09F1-4E2D-4ACC-D2DC-4F837FE0D145}"/>
+              </a:ext>
+            </a:extLst>
+          </p:cNvPr>
+          <p:cNvSpPr txBox="1"/>
+          <p:nvPr/>
+        </p:nvSpPr>
+        <p:spPr>
+          <a:xfrm>
+            <a:off x="3312855" y="15990572"/>
+            <a:ext cx="4575154" cy="576825"/>
+          </a:xfrm>
+          <a:prstGeom prst="rect">
+            <a:avLst/>
+          </a:prstGeom>
+          <a:noFill/>
+          <a:ln>
+            <a:noFill/>
+          </a:ln>
+        </p:spPr>
+        <p:txBody>
+          <a:bodyPr wrap="square">
+            <a:spAutoFit/>
+          </a:bodyPr>
+          <a:lstStyle/>
+          <a:p>
+            <a:pPr algn="ctr">
+              <a:lnSpc>
+                <a:spcPct val="150000"/>
+              </a:lnSpc>
+            </a:pPr>
+            <a:r>
+              <a:rPr lang="en-US" sz="2400" b="1" cap="small" dirty="0">
+                <a:solidFill>
+                  <a:srgbClr val="FF0000"/>
+                </a:solidFill>
+                <a:latin typeface="Oxygen" panose="02000503000000000000" pitchFamily="2" charset="0"/>
+              </a:rPr>
+              <a:t>* Conditions Apply</a:t>
+            </a:r>
+          </a:p>
+        </p:txBody>
+      </p:sp>
+      <p:sp>
+        <p:nvSpPr>
+          <p:cNvPr id="14" name="TextBox 13">
+            <a:extLst>
+              <a:ext uri="{FF2B5EF4-FFF2-40B4-BE49-F238E27FC236}">
+                <a16:creationId xmlns:a16="http://schemas.microsoft.com/office/drawing/2014/main" id="{A0E9589B-F13A-C133-BE0D-CB0C5BA253D3}"/>
+              </a:ext>
+            </a:extLst>
+          </p:cNvPr>
+          <p:cNvSpPr txBox="1"/>
+          <p:nvPr/>
+        </p:nvSpPr>
+        <p:spPr>
+          <a:xfrm>
+            <a:off x="0" y="12046324"/>
+            <a:ext cx="10972800" cy="1938992"/>
+          </a:xfrm>
+          <a:prstGeom prst="rect">
+            <a:avLst/>
+          </a:prstGeom>
+          <a:noFill/>
+        </p:spPr>
+        <p:txBody>
+          <a:bodyPr wrap="square">
+            <a:spAutoFit/>
+          </a:bodyPr>
+          <a:lstStyle/>
+          <a:p>
+            <a:pPr algn="ctr"/>
+            <a:r>
+              <a:rPr lang="en-US" sz="4000" b="1" cap="small" dirty="0">
+                <a:solidFill>
+                  <a:srgbClr val="0000FF"/>
+                </a:solidFill>
+                <a:latin typeface="Oxygen" panose="02000503000000000000" pitchFamily="2" charset="0"/>
+              </a:rPr>
+              <a:t>Best Teachers, Study Materials, </a:t>
+            </a:r>
+          </a:p>
+          <a:p>
+            <a:pPr algn="ctr"/>
+            <a:r>
+              <a:rPr lang="en-US" sz="4000" b="1" cap="small" dirty="0">
+                <a:solidFill>
+                  <a:srgbClr val="0000FF"/>
+                </a:solidFill>
+                <a:latin typeface="Oxygen" panose="02000503000000000000" pitchFamily="2" charset="0"/>
+              </a:rPr>
+              <a:t>Mock Test, PTM, Doubt Clearing, Counselling</a:t>
+            </a:r>
+          </a:p>
+          <a:p>
+            <a:pPr algn="ctr"/>
+            <a:r>
+              <a:rPr lang="en-US" sz="4000" b="1" cap="small" dirty="0">
+                <a:solidFill>
+                  <a:srgbClr val="0000FF"/>
+                </a:solidFill>
+                <a:latin typeface="Oxygen" panose="02000503000000000000" pitchFamily="2" charset="0"/>
+              </a:rPr>
+              <a:t>Smart Classrooms, AC, CCTV </a:t>
+            </a:r>
+            <a:r>
+              <a:rPr lang="en-US" sz="2800" b="1" cap="small" dirty="0">
+                <a:solidFill>
+                  <a:srgbClr val="0000FF"/>
+                </a:solidFill>
+                <a:latin typeface="Oxygen" panose="02000503000000000000" pitchFamily="2" charset="0"/>
+              </a:rPr>
+              <a:t>* as reqd</a:t>
+            </a:r>
+            <a:endParaRPr lang="en-US" sz="4000" b="1" cap="small" dirty="0">
+              <a:solidFill>
+                <a:srgbClr val="0000FF"/>
+              </a:solidFill>
+              <a:latin typeface="Oxygen" panose="02000503000000000000" pitchFamily="2" charset="0"/>
+            </a:endParaRPr>
+          </a:p>
+        </p:txBody>
+      </p:sp>
+      <p:sp>
+        <p:nvSpPr>
+          <p:cNvPr id="2" name="TextBox 1">
+            <a:extLst>
+              <a:ext uri="{FF2B5EF4-FFF2-40B4-BE49-F238E27FC236}">
+                <a16:creationId xmlns:a16="http://schemas.microsoft.com/office/drawing/2014/main" id="{875884BA-8C51-C216-7357-3CB0828ECF28}"/>
+              </a:ext>
+            </a:extLst>
+          </p:cNvPr>
+          <p:cNvSpPr txBox="1"/>
+          <p:nvPr/>
+        </p:nvSpPr>
+        <p:spPr>
+          <a:xfrm>
+            <a:off x="3383517" y="13973151"/>
+            <a:ext cx="4199737" cy="707886"/>
+          </a:xfrm>
+          <a:prstGeom prst="rect">
+            <a:avLst/>
+          </a:prstGeom>
+          <a:noFill/>
+        </p:spPr>
+        <p:txBody>
+          <a:bodyPr wrap="square">
+            <a:spAutoFit/>
+          </a:bodyPr>
+          <a:lstStyle/>
+          <a:p>
+            <a:pPr algn="ctr"/>
+            <a:r>
+              <a:rPr lang="en-US" sz="4000" b="1" cap="small" dirty="0">
+                <a:solidFill>
+                  <a:srgbClr val="FF0000"/>
+                </a:solidFill>
+                <a:latin typeface="Oxygen" panose="02000503000000000000" pitchFamily="2" charset="0"/>
+              </a:rPr>
+              <a:t>Own Edtech App</a:t>
+            </a:r>
+          </a:p>
+        </p:txBody>
+      </p:sp>
+      <p:pic>
+        <p:nvPicPr>
+          <p:cNvPr id="17" name="Picture 16">
+            <a:extLst>
+              <a:ext uri="{FF2B5EF4-FFF2-40B4-BE49-F238E27FC236}">
+                <a16:creationId xmlns:a16="http://schemas.microsoft.com/office/drawing/2014/main" id="{8E118F91-68BF-161F-6F9A-7A2762CBB668}"/>
+              </a:ext>
+            </a:extLst>
+          </p:cNvPr>
+          <p:cNvPicPr>
+            <a:picLocks noChangeAspect="1"/>
+          </p:cNvPicPr>
+          <p:nvPr/>
+        </p:nvPicPr>
+        <p:blipFill>
+          <a:blip r:embed="rId2"/>
+          <a:stretch>
+            <a:fillRect/>
+          </a:stretch>
+        </p:blipFill>
+        <p:spPr>
+          <a:xfrm>
+            <a:off x="7704528" y="14006620"/>
+            <a:ext cx="712330" cy="729290"/>
+          </a:xfrm>
+          <a:prstGeom prst="rect">
+            <a:avLst/>
+          </a:prstGeom>
+        </p:spPr>
+      </p:pic>
+      <p:sp>
+        <p:nvSpPr>
+          <p:cNvPr id="5" name="32-Point Star 20">
+            <a:extLst>
+              <a:ext uri="{FF2B5EF4-FFF2-40B4-BE49-F238E27FC236}">
+                <a16:creationId xmlns:a16="http://schemas.microsoft.com/office/drawing/2014/main" id="{34634DC3-DD77-71B3-3102-CECD7B0FC2B8}"/>
               </a:ext>
             </a:extLst>
           </p:cNvPr>
@@ -5901,13 +6105,15 @@
         </p:nvSpPr>
         <p:spPr>
           <a:xfrm>
-            <a:off x="390683" y="14300359"/>
-            <a:ext cx="3625959" cy="2051203"/>
+            <a:off x="6650248" y="14736585"/>
+            <a:ext cx="3853513" cy="1695209"/>
           </a:xfrm>
           <a:prstGeom prst="star32">
             <a:avLst/>
           </a:prstGeom>
-          <a:noFill/>
+          <a:solidFill>
+            <a:srgbClr val="FF0000"/>
+          </a:solidFill>
           <a:ln w="123825">
             <a:solidFill>
               <a:srgbClr val="FF0000"/>
@@ -5936,169 +6142,68 @@
           <a:p>
             <a:pPr algn="ctr"/>
             <a:r>
-              <a:rPr lang="en-US" sz="6000" b="1" cap="small" dirty="0">
+              <a:rPr lang="en-US" sz="6600" b="1" cap="small" dirty="0">
                 <a:solidFill>
-                  <a:srgbClr val="FF0000"/>
+                  <a:schemeClr val="bg1"/>
                 </a:solidFill>
                 <a:latin typeface="Oxygen" panose="02000503000000000000" pitchFamily="2" charset="0"/>
               </a:rPr>
-              <a:t>50%</a:t>
-            </a:r>
-          </a:p>
-          <a:p>
-            <a:pPr algn="ctr"/>
-            <a:r>
-              <a:rPr lang="en-US" sz="3200" b="1" cap="small" dirty="0">
+              <a:t>50% </a:t>
+            </a:r>
+            <a:r>
+              <a:rPr lang="en-US" sz="3600" b="1" cap="small" dirty="0">
                 <a:solidFill>
-                  <a:srgbClr val="FF0000"/>
+                  <a:schemeClr val="bg1"/>
                 </a:solidFill>
                 <a:latin typeface="Oxygen" panose="02000503000000000000" pitchFamily="2" charset="0"/>
               </a:rPr>
               <a:t>Off</a:t>
             </a:r>
-            <a:endParaRPr lang="en-US" sz="2800" b="1" cap="small" dirty="0">
+            <a:endParaRPr lang="en-US" sz="2400" b="1" cap="small" dirty="0">
               <a:solidFill>
-                <a:srgbClr val="FF0000"/>
+                <a:schemeClr val="bg1"/>
               </a:solidFill>
               <a:latin typeface="Oxygen" panose="02000503000000000000" pitchFamily="2" charset="0"/>
             </a:endParaRPr>
           </a:p>
         </p:txBody>
       </p:sp>
-      <p:sp>
-        <p:nvSpPr>
-          <p:cNvPr id="13" name="TextBox 12">
+      <p:pic>
+        <p:nvPicPr>
+          <p:cNvPr id="19" name="Picture 18">
             <a:extLst>
               <a:ext uri="{FF2B5EF4-FFF2-40B4-BE49-F238E27FC236}">
-                <a16:creationId xmlns:a16="http://schemas.microsoft.com/office/drawing/2014/main" id="{C76F09F1-4E2D-4ACC-D2DC-4F837FE0D145}"/>
+                <a16:creationId xmlns:a16="http://schemas.microsoft.com/office/drawing/2014/main" id="{A3AEBCA8-DB96-8E2E-E562-C086CB5C7769}"/>
               </a:ext>
             </a:extLst>
           </p:cNvPr>
-          <p:cNvSpPr txBox="1"/>
+          <p:cNvPicPr>
+            <a:picLocks noChangeAspect="1"/>
+          </p:cNvPicPr>
           <p:nvPr/>
-        </p:nvSpPr>
+        </p:nvPicPr>
+        <p:blipFill>
+          <a:blip r:embed="rId3"/>
+          <a:stretch>
+            <a:fillRect/>
+          </a:stretch>
+        </p:blipFill>
         <p:spPr>
           <a:xfrm>
-            <a:off x="3105819" y="15800789"/>
-            <a:ext cx="4575154" cy="795638"/>
+            <a:off x="2443471" y="13837865"/>
+            <a:ext cx="1057275" cy="1066800"/>
           </a:xfrm>
           <a:prstGeom prst="rect">
             <a:avLst/>
           </a:prstGeom>
-          <a:noFill/>
-          <a:ln>
-            <a:noFill/>
-          </a:ln>
         </p:spPr>
-        <p:txBody>
-          <a:bodyPr wrap="square">
-            <a:spAutoFit/>
-          </a:bodyPr>
-          <a:lstStyle/>
-          <a:p>
-            <a:pPr algn="ctr">
-              <a:lnSpc>
-                <a:spcPct val="150000"/>
-              </a:lnSpc>
-            </a:pPr>
-            <a:r>
-              <a:rPr lang="en-US" sz="2800" b="1" cap="small" dirty="0">
-                <a:solidFill>
-                  <a:srgbClr val="FF0000"/>
-                </a:solidFill>
-                <a:latin typeface="Oxygen" panose="02000503000000000000" pitchFamily="2" charset="0"/>
-              </a:rPr>
-              <a:t>* Conditions Apply</a:t>
-            </a:r>
-          </a:p>
-        </p:txBody>
-      </p:sp>
-      <p:sp>
-        <p:nvSpPr>
-          <p:cNvPr id="14" name="TextBox 13">
+      </p:pic>
+      <p:sp>
+        <p:nvSpPr>
+          <p:cNvPr id="12" name="32-Point Star 20">
             <a:extLst>
               <a:ext uri="{FF2B5EF4-FFF2-40B4-BE49-F238E27FC236}">
-                <a16:creationId xmlns:a16="http://schemas.microsoft.com/office/drawing/2014/main" id="{A0E9589B-F13A-C133-BE0D-CB0C5BA253D3}"/>
-              </a:ext>
-            </a:extLst>
-          </p:cNvPr>
-          <p:cNvSpPr txBox="1"/>
-          <p:nvPr/>
-        </p:nvSpPr>
-        <p:spPr>
-          <a:xfrm>
-            <a:off x="0" y="12046324"/>
-            <a:ext cx="10972800" cy="1938992"/>
-          </a:xfrm>
-          <a:prstGeom prst="rect">
-            <a:avLst/>
-          </a:prstGeom>
-          <a:noFill/>
-        </p:spPr>
-        <p:txBody>
-          <a:bodyPr wrap="square">
-            <a:spAutoFit/>
-          </a:bodyPr>
-          <a:lstStyle/>
-          <a:p>
-            <a:pPr algn="ctr"/>
-            <a:r>
-              <a:rPr lang="en-US" sz="4000" b="1" cap="small" dirty="0">
-                <a:solidFill>
-                  <a:srgbClr val="0000FF"/>
-                </a:solidFill>
-                <a:latin typeface="Oxygen" panose="02000503000000000000" pitchFamily="2" charset="0"/>
-              </a:rPr>
-              <a:t>Edtech App, Best Teachers, Study Materials, </a:t>
-            </a:r>
-          </a:p>
-          <a:p>
-            <a:pPr algn="ctr"/>
-            <a:r>
-              <a:rPr lang="en-US" sz="4000" b="1" cap="small" dirty="0">
-                <a:solidFill>
-                  <a:srgbClr val="0000FF"/>
-                </a:solidFill>
-                <a:latin typeface="Oxygen" panose="02000503000000000000" pitchFamily="2" charset="0"/>
-              </a:rPr>
-              <a:t>Mock Test, PTM, Doubt Clearing, Counselling</a:t>
-            </a:r>
-          </a:p>
-          <a:p>
-            <a:pPr algn="ctr"/>
-            <a:r>
-              <a:rPr lang="en-US" sz="4000" b="1" cap="small" dirty="0">
-                <a:solidFill>
-                  <a:srgbClr val="0000FF"/>
-                </a:solidFill>
-                <a:latin typeface="Oxygen" panose="02000503000000000000" pitchFamily="2" charset="0"/>
-              </a:rPr>
-              <a:t>Smart Classrooms, AC, CCTV </a:t>
-            </a:r>
-            <a:r>
-              <a:rPr lang="en-US" sz="2800" b="1" cap="small" dirty="0">
-                <a:solidFill>
-                  <a:srgbClr val="0000FF"/>
-                </a:solidFill>
-                <a:latin typeface="Oxygen" panose="02000503000000000000" pitchFamily="2" charset="0"/>
-              </a:rPr>
-              <a:t>* as reqd</a:t>
-            </a:r>
-            <a:endParaRPr lang="en-US" sz="4000" b="1" cap="small" dirty="0">
-              <a:solidFill>
-                <a:srgbClr val="0000FF"/>
-              </a:solidFill>
-              <a:latin typeface="Oxygen" panose="02000503000000000000" pitchFamily="2" charset="0"/>
-            </a:endParaRPr>
-          </a:p>
-        </p:txBody>
-      </p:sp>
-      <p:sp>
-        <p:nvSpPr>
-          <p:cNvPr id="15" name="32-Point Star 20">
-            <a:extLst>
-              <a:ext uri="{FF2B5EF4-FFF2-40B4-BE49-F238E27FC236}">
-                <a16:creationId xmlns:a16="http://schemas.microsoft.com/office/drawing/2014/main" id="{F58E7627-597E-BB82-67AD-17789EE9E7F6}"/>
+                <a16:creationId xmlns:a16="http://schemas.microsoft.com/office/drawing/2014/main" id="{5CDFC97C-CA0E-C2B7-7B7B-BC9077127782}"/>
               </a:ext>
             </a:extLst>
           </p:cNvPr>
@@ -6107,13 +6212,15 @@
         </p:nvSpPr>
         <p:spPr>
           <a:xfrm>
-            <a:off x="6956160" y="14327612"/>
-            <a:ext cx="3625959" cy="2023950"/>
+            <a:off x="393997" y="14736585"/>
+            <a:ext cx="3853513" cy="1695209"/>
           </a:xfrm>
           <a:prstGeom prst="star32">
             <a:avLst/>
           </a:prstGeom>
-          <a:noFill/>
+          <a:solidFill>
+            <a:srgbClr val="FF0000"/>
+          </a:solidFill>
           <a:ln w="123825">
             <a:solidFill>
               <a:srgbClr val="FF0000"/>
@@ -6142,29 +6249,26 @@
           <a:p>
             <a:pPr algn="ctr"/>
             <a:r>
-              <a:rPr lang="en-US" sz="6000" b="1" cap="small" dirty="0">
+              <a:rPr lang="en-US" sz="6600" b="1" cap="small" dirty="0">
                 <a:solidFill>
-                  <a:srgbClr val="FF0000"/>
+                  <a:schemeClr val="bg1"/>
                 </a:solidFill>
                 <a:latin typeface="Oxygen" panose="02000503000000000000" pitchFamily="2" charset="0"/>
               </a:rPr>
-              <a:t>50%</a:t>
-            </a:r>
-          </a:p>
-          <a:p>
-            <a:pPr algn="ctr"/>
-            <a:r>
-              <a:rPr lang="en-US" sz="3200" b="1" cap="small" dirty="0">
+              <a:t>50% </a:t>
+            </a:r>
+            <a:r>
+              <a:rPr lang="en-US" sz="3600" b="1" cap="small" dirty="0">
                 <a:solidFill>
-                  <a:srgbClr val="FF0000"/>
+                  <a:schemeClr val="bg1"/>
                 </a:solidFill>
                 <a:latin typeface="Oxygen" panose="02000503000000000000" pitchFamily="2" charset="0"/>
               </a:rPr>
               <a:t>Off</a:t>
             </a:r>
-            <a:endParaRPr lang="en-US" sz="2800" b="1" cap="small" dirty="0">
+            <a:endParaRPr lang="en-US" sz="2400" b="1" cap="small" dirty="0">
               <a:solidFill>
-                <a:srgbClr val="FF0000"/>
+                <a:schemeClr val="bg1"/>
               </a:solidFill>
               <a:latin typeface="Oxygen" panose="02000503000000000000" pitchFamily="2" charset="0"/>
             </a:endParaRPr>

--- a/Offline/BusinessManagement/MarketingArtworks/pptx/12x18-Sunpack.pptx
+++ b/Offline/BusinessManagement/MarketingArtworks/pptx/12x18-Sunpack.pptx
@@ -2985,7 +2985,7 @@
         </p:nvSpPr>
         <p:spPr>
           <a:xfrm>
-            <a:off x="339298" y="260592"/>
+            <a:off x="339298" y="122568"/>
             <a:ext cx="10294203" cy="3945666"/>
           </a:xfrm>
           <a:custGeom>
@@ -4816,7 +4816,7 @@
         </p:nvSpPr>
         <p:spPr>
           <a:xfrm>
-            <a:off x="0" y="6823936"/>
+            <a:off x="0" y="6634153"/>
             <a:ext cx="10972800" cy="5016758"/>
           </a:xfrm>
           <a:prstGeom prst="rect">
@@ -4947,7 +4947,7 @@
         </p:nvSpPr>
         <p:spPr>
           <a:xfrm>
-            <a:off x="329161" y="6734307"/>
+            <a:off x="329161" y="6544524"/>
             <a:ext cx="10304339" cy="5246220"/>
           </a:xfrm>
           <a:prstGeom prst="rect">
@@ -5008,7 +5008,7 @@
         </p:nvSpPr>
         <p:spPr>
           <a:xfrm>
-            <a:off x="1962363" y="5675202"/>
+            <a:off x="1962363" y="5588937"/>
             <a:ext cx="839207" cy="783164"/>
           </a:xfrm>
           <a:custGeom>
@@ -5429,7 +5429,7 @@
         </p:nvSpPr>
         <p:spPr>
           <a:xfrm>
-            <a:off x="821396" y="4027380"/>
+            <a:off x="821396" y="3923862"/>
             <a:ext cx="9144001" cy="2631490"/>
           </a:xfrm>
           <a:prstGeom prst="rect">
@@ -5527,7 +5527,7 @@
         </p:nvSpPr>
         <p:spPr>
           <a:xfrm>
-            <a:off x="8061539" y="5654763"/>
+            <a:off x="8061539" y="5568498"/>
             <a:ext cx="858403" cy="783164"/>
           </a:xfrm>
           <a:custGeom>
@@ -5906,7 +5906,7 @@
         </p:nvSpPr>
         <p:spPr>
           <a:xfrm>
-            <a:off x="3312855" y="15990572"/>
+            <a:off x="3312855" y="15800789"/>
             <a:ext cx="4575154" cy="576825"/>
           </a:xfrm>
           <a:prstGeom prst="rect">
@@ -5954,7 +5954,7 @@
         </p:nvSpPr>
         <p:spPr>
           <a:xfrm>
-            <a:off x="0" y="12046324"/>
+            <a:off x="0" y="11735770"/>
             <a:ext cx="10972800" cy="1938992"/>
           </a:xfrm>
           <a:prstGeom prst="rect">
@@ -6034,7 +6034,7 @@
         </p:nvSpPr>
         <p:spPr>
           <a:xfrm>
-            <a:off x="3383517" y="13973151"/>
+            <a:off x="3383517" y="13662597"/>
             <a:ext cx="4199737" cy="707886"/>
           </a:xfrm>
           <a:prstGeom prst="rect">
@@ -6083,7 +6083,7 @@
         </p:blipFill>
         <p:spPr>
           <a:xfrm>
-            <a:off x="7704528" y="14006620"/>
+            <a:off x="7704528" y="13696066"/>
             <a:ext cx="712330" cy="729290"/>
           </a:xfrm>
           <a:prstGeom prst="rect">
@@ -6105,7 +6105,7 @@
         </p:nvSpPr>
         <p:spPr>
           <a:xfrm>
-            <a:off x="6650248" y="14736585"/>
+            <a:off x="6650248" y="14546802"/>
             <a:ext cx="3853513" cy="1695209"/>
           </a:xfrm>
           <a:prstGeom prst="star32">
@@ -6190,7 +6190,7 @@
         </p:blipFill>
         <p:spPr>
           <a:xfrm>
-            <a:off x="2443471" y="13837865"/>
+            <a:off x="2443471" y="13527311"/>
             <a:ext cx="1057275" cy="1066800"/>
           </a:xfrm>
           <a:prstGeom prst="rect">
@@ -6212,7 +6212,7 @@
         </p:nvSpPr>
         <p:spPr>
           <a:xfrm>
-            <a:off x="393997" y="14736585"/>
+            <a:off x="393997" y="14546802"/>
             <a:ext cx="3853513" cy="1695209"/>
           </a:xfrm>
           <a:prstGeom prst="star32">
